--- a/8. Training/Training.pptx
+++ b/8. Training/Training.pptx
@@ -10588,11 +10588,7 @@
           <a:p>
             <a:r>
               <a:rPr lang="vi-VN"/>
-              <a:t>Bản chất framework là các gói thư viện đã implement một hoặc nhiều design pattern nào đó để giúp cho việc xây dựng các ứng dụng dễ dàng hơn và ít tốn </a:t>
-            </a:r>
-            <a:r>
-              <a:rPr lang="vi-VN"/>
-              <a:t>effort </a:t>
+              <a:t>Bản chất framework là các gói thư viện đã implement một hoặc nhiều design pattern nào đó để giúp cho việc xây dựng các ứng dụng dễ dàng hơn và ít tốn effort </a:t>
             </a:r>
             <a:r>
               <a:rPr lang="vi-VN" smtClean="0"/>
@@ -12287,11 +12283,7 @@
             </a:pPr>
             <a:r>
               <a:rPr lang="en-GB" smtClean="0"/>
-              <a:t>Giới </a:t>
-            </a:r>
-            <a:r>
-              <a:rPr lang="en-GB" smtClean="0"/>
-              <a:t>thiệu về Maven</a:t>
+              <a:t>Giới thiệu về Maven</a:t>
             </a:r>
           </a:p>
           <a:p>
@@ -13006,25 +12998,6 @@
         </p:blipFill>
         <p:spPr/>
       </p:pic>
-      <p:sp>
-        <p:nvSpPr>
-          <p:cNvPr id="2" name="Subtitle 1"/>
-          <p:cNvSpPr>
-            <a:spLocks noGrp="1"/>
-          </p:cNvSpPr>
-          <p:nvPr>
-            <p:ph type="subTitle" idx="1"/>
-          </p:nvPr>
-        </p:nvSpPr>
-        <p:spPr/>
-        <p:txBody>
-          <a:bodyPr/>
-          <a:lstStyle/>
-          <a:p>
-            <a:endParaRPr lang="en-US"/>
-          </a:p>
-        </p:txBody>
-      </p:sp>
     </p:spTree>
     <p:extLst>
       <p:ext uri="{BB962C8B-B14F-4D97-AF65-F5344CB8AC3E}">
@@ -13166,11 +13139,7 @@
           <a:p>
             <a:r>
               <a:rPr lang="en-GB"/>
-              <a:t>Tổng </a:t>
-            </a:r>
-            <a:r>
-              <a:rPr lang="en-GB"/>
-              <a:t>quan </a:t>
+              <a:t>Tổng quan </a:t>
             </a:r>
             <a:r>
               <a:rPr lang="en-GB" smtClean="0"/>
@@ -13255,11 +13224,7 @@
             </a:r>
             <a:r>
               <a:rPr lang="vi-VN"/>
-              <a:t>: </a:t>
-            </a:r>
-            <a:r>
-              <a:rPr lang="vi-VN"/>
-              <a:t>hỗ </a:t>
+              <a:t>: hỗ </a:t>
             </a:r>
             <a:r>
               <a:rPr lang="vi-VN" smtClean="0"/>
@@ -13271,11 +13236,7 @@
             </a:r>
             <a:r>
               <a:rPr lang="vi-VN" b="1"/>
-              <a:t>&lt;</a:t>
-            </a:r>
-            <a:r>
-              <a:rPr lang="vi-VN" b="1"/>
-              <a:t>Web</a:t>
+              <a:t>&lt;Web</a:t>
             </a:r>
             <a:r>
               <a:rPr lang="vi-VN" b="1" smtClean="0"/>
@@ -13375,11 +13336,7 @@
             </a:pPr>
             <a:r>
               <a:rPr lang="vi-VN"/>
-              <a:t>Hỗ trợ lập trình </a:t>
-            </a:r>
-            <a:r>
-              <a:rPr lang="vi-VN"/>
-              <a:t>đa </a:t>
+              <a:t>Hỗ trợ lập trình đa </a:t>
             </a:r>
             <a:r>
               <a:rPr lang="vi-VN" smtClean="0"/>
@@ -14175,11 +14132,7 @@
             </a:r>
             <a:r>
               <a:rPr lang="vi-VN" b="1"/>
-              <a:t>Khi trang Web hiển thị trong trình duyệt, Applet sẽ được tải về và thực thi tại trình </a:t>
-            </a:r>
-            <a:r>
-              <a:rPr lang="vi-VN" b="1"/>
-              <a:t>duyệt</a:t>
+              <a:t>Khi trang Web hiển thị trong trình duyệt, Applet sẽ được tải về và thực thi tại trình duyệt</a:t>
             </a:r>
             <a:r>
               <a:rPr lang="vi-VN" b="1" smtClean="0"/>
@@ -14591,11 +14544,7 @@
             </a:pPr>
             <a:r>
               <a:rPr lang="vi-VN"/>
-              <a:t>Ứng dụng </a:t>
-            </a:r>
-            <a:r>
-              <a:rPr lang="vi-VN"/>
-              <a:t>dòng </a:t>
+              <a:t>Ứng dụng dòng </a:t>
             </a:r>
             <a:r>
               <a:rPr lang="vi-VN" smtClean="0"/>
@@ -14623,11 +14572,7 @@
             </a:pPr>
             <a:r>
               <a:rPr lang="vi-VN"/>
-              <a:t>Ứng dụng đồ họa -- giao diện đồ </a:t>
-            </a:r>
-            <a:r>
-              <a:rPr lang="vi-VN"/>
-              <a:t>họa</a:t>
+              <a:t>Ứng dụng đồ họa -- giao diện đồ họa</a:t>
             </a:r>
             <a:r>
               <a:rPr lang="vi-VN" smtClean="0"/>
@@ -14643,11 +14588,7 @@
             </a:pPr>
             <a:r>
               <a:rPr lang="vi-VN"/>
-              <a:t>Ứng dụng cơ sở </a:t>
-            </a:r>
-            <a:r>
-              <a:rPr lang="vi-VN"/>
-              <a:t>dữ </a:t>
+              <a:t>Ứng dụng cơ sở dữ </a:t>
             </a:r>
             <a:r>
               <a:rPr lang="vi-VN" smtClean="0"/>
@@ -14683,11 +14624,7 @@
             </a:pPr>
             <a:r>
               <a:rPr lang="vi-VN"/>
-              <a:t>Ứng </a:t>
-            </a:r>
-            <a:r>
-              <a:rPr lang="vi-VN"/>
-              <a:t>dụng </a:t>
+              <a:t>Ứng dụng </a:t>
             </a:r>
             <a:r>
               <a:rPr lang="vi-VN" smtClean="0"/>
@@ -14719,11 +14656,7 @@
             </a:pPr>
             <a:r>
               <a:rPr lang="vi-VN"/>
-              <a:t>Ứng dụng </a:t>
-            </a:r>
-            <a:r>
-              <a:rPr lang="vi-VN"/>
-              <a:t>nhiều </a:t>
+              <a:t>Ứng dụng nhiều </a:t>
             </a:r>
             <a:r>
               <a:rPr lang="vi-VN" smtClean="0"/>
